--- a/Hypermarket/Resources/BI Dataviz Consulting.pptx
+++ b/Hypermarket/Resources/BI Dataviz Consulting.pptx
@@ -318,7 +318,7 @@
           <a:p>
             <a:fld id="{C7C03510-3E19-480D-9B48-7FBE5C343392}" type="datetimeFigureOut">
               <a:rPr lang="fr-FR" smtClean="0"/>
-              <a:t>21/11/2024</a:t>
+              <a:t>27/11/2024</a:t>
             </a:fld>
             <a:endParaRPr lang="fr-FR"/>
           </a:p>
@@ -656,7 +656,7 @@
           <a:p>
             <a:fld id="{C7C03510-3E19-480D-9B48-7FBE5C343392}" type="datetimeFigureOut">
               <a:rPr lang="fr-FR" smtClean="0"/>
-              <a:t>21/11/2024</a:t>
+              <a:t>27/11/2024</a:t>
             </a:fld>
             <a:endParaRPr lang="fr-FR"/>
           </a:p>
@@ -1057,7 +1057,7 @@
           <a:p>
             <a:fld id="{C7C03510-3E19-480D-9B48-7FBE5C343392}" type="datetimeFigureOut">
               <a:rPr lang="fr-FR" smtClean="0"/>
-              <a:t>21/11/2024</a:t>
+              <a:t>27/11/2024</a:t>
             </a:fld>
             <a:endParaRPr lang="fr-FR"/>
           </a:p>
@@ -1393,7 +1393,7 @@
           <a:p>
             <a:fld id="{C7C03510-3E19-480D-9B48-7FBE5C343392}" type="datetimeFigureOut">
               <a:rPr lang="fr-FR" smtClean="0"/>
-              <a:t>21/11/2024</a:t>
+              <a:t>27/11/2024</a:t>
             </a:fld>
             <a:endParaRPr lang="fr-FR"/>
           </a:p>
@@ -1713,7 +1713,7 @@
           <a:p>
             <a:fld id="{C7C03510-3E19-480D-9B48-7FBE5C343392}" type="datetimeFigureOut">
               <a:rPr lang="fr-FR" smtClean="0"/>
-              <a:t>21/11/2024</a:t>
+              <a:t>27/11/2024</a:t>
             </a:fld>
             <a:endParaRPr lang="fr-FR"/>
           </a:p>
@@ -2109,7 +2109,7 @@
           <a:p>
             <a:fld id="{C7C03510-3E19-480D-9B48-7FBE5C343392}" type="datetimeFigureOut">
               <a:rPr lang="fr-FR" smtClean="0"/>
-              <a:t>21/11/2024</a:t>
+              <a:t>27/11/2024</a:t>
             </a:fld>
             <a:endParaRPr lang="fr-FR"/>
           </a:p>
@@ -2366,7 +2366,7 @@
           <a:p>
             <a:fld id="{C7C03510-3E19-480D-9B48-7FBE5C343392}" type="datetimeFigureOut">
               <a:rPr lang="fr-FR" smtClean="0"/>
-              <a:t>21/11/2024</a:t>
+              <a:t>27/11/2024</a:t>
             </a:fld>
             <a:endParaRPr lang="fr-FR"/>
           </a:p>
@@ -2628,7 +2628,7 @@
           <a:p>
             <a:fld id="{C7C03510-3E19-480D-9B48-7FBE5C343392}" type="datetimeFigureOut">
               <a:rPr lang="fr-FR" smtClean="0"/>
-              <a:t>21/11/2024</a:t>
+              <a:t>27/11/2024</a:t>
             </a:fld>
             <a:endParaRPr lang="fr-FR"/>
           </a:p>
@@ -2890,7 +2890,7 @@
           <a:p>
             <a:fld id="{C7C03510-3E19-480D-9B48-7FBE5C343392}" type="datetimeFigureOut">
               <a:rPr lang="fr-FR" smtClean="0"/>
-              <a:t>21/11/2024</a:t>
+              <a:t>27/11/2024</a:t>
             </a:fld>
             <a:endParaRPr lang="fr-FR"/>
           </a:p>
@@ -3219,7 +3219,7 @@
           <a:p>
             <a:fld id="{C7C03510-3E19-480D-9B48-7FBE5C343392}" type="datetimeFigureOut">
               <a:rPr lang="fr-FR" smtClean="0"/>
-              <a:t>21/11/2024</a:t>
+              <a:t>27/11/2024</a:t>
             </a:fld>
             <a:endParaRPr lang="fr-FR"/>
           </a:p>
@@ -3542,7 +3542,7 @@
           <a:p>
             <a:fld id="{C7C03510-3E19-480D-9B48-7FBE5C343392}" type="datetimeFigureOut">
               <a:rPr lang="fr-FR" smtClean="0"/>
-              <a:t>21/11/2024</a:t>
+              <a:t>27/11/2024</a:t>
             </a:fld>
             <a:endParaRPr lang="fr-FR"/>
           </a:p>
@@ -3999,7 +3999,7 @@
           <a:p>
             <a:fld id="{C7C03510-3E19-480D-9B48-7FBE5C343392}" type="datetimeFigureOut">
               <a:rPr lang="fr-FR" smtClean="0"/>
-              <a:t>21/11/2024</a:t>
+              <a:t>27/11/2024</a:t>
             </a:fld>
             <a:endParaRPr lang="fr-FR"/>
           </a:p>
@@ -4204,7 +4204,7 @@
           <a:p>
             <a:fld id="{C7C03510-3E19-480D-9B48-7FBE5C343392}" type="datetimeFigureOut">
               <a:rPr lang="fr-FR" smtClean="0"/>
-              <a:t>21/11/2024</a:t>
+              <a:t>27/11/2024</a:t>
             </a:fld>
             <a:endParaRPr lang="fr-FR"/>
           </a:p>
@@ -4381,7 +4381,7 @@
           <a:p>
             <a:fld id="{C7C03510-3E19-480D-9B48-7FBE5C343392}" type="datetimeFigureOut">
               <a:rPr lang="fr-FR" smtClean="0"/>
-              <a:t>21/11/2024</a:t>
+              <a:t>27/11/2024</a:t>
             </a:fld>
             <a:endParaRPr lang="fr-FR"/>
           </a:p>
@@ -4714,7 +4714,7 @@
           <a:p>
             <a:fld id="{C7C03510-3E19-480D-9B48-7FBE5C343392}" type="datetimeFigureOut">
               <a:rPr lang="fr-FR" smtClean="0"/>
-              <a:t>21/11/2024</a:t>
+              <a:t>27/11/2024</a:t>
             </a:fld>
             <a:endParaRPr lang="fr-FR"/>
           </a:p>
@@ -5059,7 +5059,7 @@
           <a:p>
             <a:fld id="{C7C03510-3E19-480D-9B48-7FBE5C343392}" type="datetimeFigureOut">
               <a:rPr lang="fr-FR" smtClean="0"/>
-              <a:t>21/11/2024</a:t>
+              <a:t>27/11/2024</a:t>
             </a:fld>
             <a:endParaRPr lang="fr-FR"/>
           </a:p>
@@ -7176,7 +7176,7 @@
           <a:p>
             <a:fld id="{C7C03510-3E19-480D-9B48-7FBE5C343392}" type="datetimeFigureOut">
               <a:rPr lang="fr-FR" smtClean="0"/>
-              <a:t>21/11/2024</a:t>
+              <a:t>27/11/2024</a:t>
             </a:fld>
             <a:endParaRPr lang="fr-FR"/>
           </a:p>
@@ -9317,38 +9317,12 @@
             </a:r>
           </a:p>
           <a:p>
-            <a:pPr marL="0" indent="0">
-              <a:buNone/>
-            </a:pPr>
-            <a:endParaRPr lang="fr-FR" dirty="0"/>
-          </a:p>
-          <a:p>
             <a:pPr>
               <a:buFont typeface="Arial" panose="020B0604020202020204" pitchFamily="34" charset="0"/>
               <a:buChar char="•"/>
             </a:pPr>
             <a:r>
               <a:rPr lang="fr-FR" b="1" dirty="0"/>
-              <a:t>Avatar</a:t>
-            </a:r>
-            <a:r>
-              <a:rPr lang="fr-FR" dirty="0"/>
-              <a:t>:		 </a:t>
-            </a:r>
-          </a:p>
-          <a:p>
-            <a:pPr marL="0" indent="0">
-              <a:buNone/>
-            </a:pPr>
-            <a:endParaRPr lang="fr-FR" dirty="0"/>
-          </a:p>
-          <a:p>
-            <a:pPr>
-              <a:buFont typeface="Arial" panose="020B0604020202020204" pitchFamily="34" charset="0"/>
-              <a:buChar char="•"/>
-            </a:pPr>
-            <a:r>
-              <a:rPr lang="fr-FR" b="1" dirty="0"/>
               <a:t>Bio</a:t>
             </a:r>
             <a:r>
@@ -9358,87 +9332,6 @@
           </a:p>
         </p:txBody>
       </p:sp>
-      <p:pic>
-        <p:nvPicPr>
-          <p:cNvPr id="5" name="Image 4" descr="Une image contenant Visage humain, personne, habits, Accessoire de mode&#10;&#10;Description générée automatiquement">
-            <a:extLst>
-              <a:ext uri="{FF2B5EF4-FFF2-40B4-BE49-F238E27FC236}">
-                <a16:creationId xmlns:a16="http://schemas.microsoft.com/office/drawing/2014/main" id="{A22AA27A-83CE-699F-52B8-9A8386795848}"/>
-              </a:ext>
-            </a:extLst>
-          </p:cNvPr>
-          <p:cNvPicPr>
-            <a:picLocks noChangeAspect="1"/>
-          </p:cNvPicPr>
-          <p:nvPr/>
-        </p:nvPicPr>
-        <p:blipFill>
-          <a:blip r:embed="rId2">
-            <a:extLst>
-              <a:ext uri="{28A0092B-C50C-407E-A947-70E740481C1C}">
-                <a14:useLocalDpi xmlns:a14="http://schemas.microsoft.com/office/drawing/2010/main" val="0"/>
-              </a:ext>
-            </a:extLst>
-          </a:blip>
-          <a:stretch>
-            <a:fillRect/>
-          </a:stretch>
-        </p:blipFill>
-        <p:spPr>
-          <a:xfrm>
-            <a:off x="3857206" y="3685309"/>
-            <a:ext cx="1145376" cy="1189749"/>
-          </a:xfrm>
-          <a:prstGeom prst="rect">
-            <a:avLst/>
-          </a:prstGeom>
-          <a:ln>
-            <a:noFill/>
-          </a:ln>
-          <a:effectLst>
-            <a:softEdge rad="112500"/>
-          </a:effectLst>
-        </p:spPr>
-      </p:pic>
-      <p:pic>
-        <p:nvPicPr>
-          <p:cNvPr id="9" name="Image 8" descr="Une image contenant logo, Graphique, cercle, Police&#10;&#10;Description générée automatiquement">
-            <a:extLst>
-              <a:ext uri="{FF2B5EF4-FFF2-40B4-BE49-F238E27FC236}">
-                <a16:creationId xmlns:a16="http://schemas.microsoft.com/office/drawing/2014/main" id="{6189AF22-3C29-45F6-7048-3B05760E02BA}"/>
-              </a:ext>
-            </a:extLst>
-          </p:cNvPr>
-          <p:cNvPicPr>
-            <a:picLocks noChangeAspect="1"/>
-          </p:cNvPicPr>
-          <p:nvPr/>
-        </p:nvPicPr>
-        <p:blipFill>
-          <a:blip r:embed="rId3">
-            <a:extLst>
-              <a:ext uri="{28A0092B-C50C-407E-A947-70E740481C1C}">
-                <a14:useLocalDpi xmlns:a14="http://schemas.microsoft.com/office/drawing/2010/main" val="0"/>
-              </a:ext>
-              <a:ext uri="{837473B0-CC2E-450A-ABE3-18F120FF3D39}">
-                <a1611:picAttrSrcUrl xmlns:a1611="http://schemas.microsoft.com/office/drawing/2016/11/main" r:id="rId4"/>
-              </a:ext>
-            </a:extLst>
-          </a:blip>
-          <a:stretch>
-            <a:fillRect/>
-          </a:stretch>
-        </p:blipFill>
-        <p:spPr>
-          <a:xfrm>
-            <a:off x="4959928" y="4302336"/>
-            <a:ext cx="631666" cy="631666"/>
-          </a:xfrm>
-          <a:prstGeom prst="rect">
-            <a:avLst/>
-          </a:prstGeom>
-        </p:spPr>
-      </p:pic>
     </p:spTree>
     <p:extLst>
       <p:ext uri="{BB962C8B-B14F-4D97-AF65-F5344CB8AC3E}">
